--- a/pre.pptx
+++ b/pre.pptx
@@ -6,10 +6,10 @@
     <p:sldMasterId id="2147483679" r:id="rId2"/>
   </p:sldMasterIdLst>
   <p:notesMasterIdLst>
-    <p:notesMasterId r:id="rId19"/>
+    <p:notesMasterId r:id="rId18"/>
   </p:notesMasterIdLst>
   <p:handoutMasterIdLst>
-    <p:handoutMasterId r:id="rId20"/>
+    <p:handoutMasterId r:id="rId19"/>
   </p:handoutMasterIdLst>
   <p:sldIdLst>
     <p:sldId id="256" r:id="rId3"/>
@@ -19,15 +19,14 @@
     <p:sldId id="258" r:id="rId7"/>
     <p:sldId id="268" r:id="rId8"/>
     <p:sldId id="273" r:id="rId9"/>
-    <p:sldId id="274" r:id="rId10"/>
-    <p:sldId id="275" r:id="rId11"/>
-    <p:sldId id="276" r:id="rId12"/>
-    <p:sldId id="277" r:id="rId13"/>
-    <p:sldId id="259" r:id="rId14"/>
-    <p:sldId id="271" r:id="rId15"/>
-    <p:sldId id="260" r:id="rId16"/>
-    <p:sldId id="272" r:id="rId17"/>
-    <p:sldId id="262" r:id="rId18"/>
+    <p:sldId id="276" r:id="rId10"/>
+    <p:sldId id="278" r:id="rId11"/>
+    <p:sldId id="277" r:id="rId12"/>
+    <p:sldId id="259" r:id="rId13"/>
+    <p:sldId id="271" r:id="rId14"/>
+    <p:sldId id="260" r:id="rId15"/>
+    <p:sldId id="272" r:id="rId16"/>
+    <p:sldId id="262" r:id="rId17"/>
   </p:sldIdLst>
   <p:sldSz cx="12192000" cy="6858000"/>
   <p:notesSz cx="6858000" cy="9144000"/>
@@ -48539,10 +48538,10 @@
       </p:sp>
       <p:pic>
         <p:nvPicPr>
-          <p:cNvPr id="6" name="图片 5">
+          <p:cNvPr id="5" name="图片 4">
             <a:extLst>
               <a:ext uri="{FF2B5EF4-FFF2-40B4-BE49-F238E27FC236}">
-                <a16:creationId xmlns:a16="http://schemas.microsoft.com/office/drawing/2014/main" id="{F9C0964E-6FCE-41C7-A06B-B2AC495A3FB1}"/>
+                <a16:creationId xmlns:a16="http://schemas.microsoft.com/office/drawing/2014/main" id="{09671319-FEB7-46CE-8147-90A61D68921A}"/>
               </a:ext>
             </a:extLst>
           </p:cNvPr>
@@ -48559,8 +48558,8 @@
         </p:blipFill>
         <p:spPr>
           <a:xfrm>
-            <a:off x="1803624" y="975258"/>
-            <a:ext cx="6319726" cy="3139542"/>
+            <a:off x="1011237" y="1069439"/>
+            <a:ext cx="7331075" cy="5022015"/>
           </a:xfrm>
           <a:prstGeom prst="rect">
             <a:avLst/>
@@ -48569,10 +48568,10 @@
       </p:pic>
       <p:pic>
         <p:nvPicPr>
-          <p:cNvPr id="7" name="图片 6">
+          <p:cNvPr id="12" name="图片 11">
             <a:extLst>
               <a:ext uri="{FF2B5EF4-FFF2-40B4-BE49-F238E27FC236}">
-                <a16:creationId xmlns:a16="http://schemas.microsoft.com/office/drawing/2014/main" id="{F88673E6-130D-4681-98BD-FA1C6E0F8B06}"/>
+                <a16:creationId xmlns:a16="http://schemas.microsoft.com/office/drawing/2014/main" id="{94C6F116-BB31-427F-8179-D29BFB7DC307}"/>
               </a:ext>
             </a:extLst>
           </p:cNvPr>
@@ -48589,520 +48588,8 @@
         </p:blipFill>
         <p:spPr>
           <a:xfrm>
-            <a:off x="3255016" y="2054492"/>
-            <a:ext cx="6319726" cy="3139542"/>
-          </a:xfrm>
-          <a:prstGeom prst="rect">
-            <a:avLst/>
-          </a:prstGeom>
-        </p:spPr>
-      </p:pic>
-      <p:pic>
-        <p:nvPicPr>
-          <p:cNvPr id="9" name="图片 8">
-            <a:extLst>
-              <a:ext uri="{FF2B5EF4-FFF2-40B4-BE49-F238E27FC236}">
-                <a16:creationId xmlns:a16="http://schemas.microsoft.com/office/drawing/2014/main" id="{4FE176C0-8535-43D2-9445-56356E14F2DD}"/>
-              </a:ext>
-            </a:extLst>
-          </p:cNvPr>
-          <p:cNvPicPr>
-            <a:picLocks noChangeAspect="1"/>
-          </p:cNvPicPr>
-          <p:nvPr/>
-        </p:nvPicPr>
-        <p:blipFill>
-          <a:blip r:embed="rId4"/>
-          <a:stretch>
-            <a:fillRect/>
-          </a:stretch>
-        </p:blipFill>
-        <p:spPr>
-          <a:xfrm>
-            <a:off x="4706408" y="3133726"/>
-            <a:ext cx="6319726" cy="3139542"/>
-          </a:xfrm>
-          <a:prstGeom prst="rect">
-            <a:avLst/>
-          </a:prstGeom>
-        </p:spPr>
-      </p:pic>
-    </p:spTree>
-    <p:extLst>
-      <p:ext uri="{BB962C8B-B14F-4D97-AF65-F5344CB8AC3E}">
-        <p14:creationId xmlns:p14="http://schemas.microsoft.com/office/powerpoint/2010/main" val="1031058823"/>
-      </p:ext>
-    </p:extLst>
-  </p:cSld>
-  <p:clrMapOvr>
-    <a:masterClrMapping/>
-  </p:clrMapOvr>
-  <p:transition spd="slow">
-    <p:push/>
-  </p:transition>
-  <p:timing>
-    <p:tnLst>
-      <p:par>
-        <p:cTn id="1" dur="indefinite" restart="never" nodeType="tmRoot">
-          <p:childTnLst>
-            <p:seq concurrent="1" nextAc="seek">
-              <p:cTn id="2" dur="indefinite" nodeType="mainSeq">
-                <p:childTnLst>
-                  <p:par>
-                    <p:cTn id="3" fill="hold">
-                      <p:stCondLst>
-                        <p:cond delay="indefinite"/>
-                      </p:stCondLst>
-                      <p:childTnLst>
-                        <p:par>
-                          <p:cTn id="4" fill="hold">
-                            <p:stCondLst>
-                              <p:cond delay="0"/>
-                            </p:stCondLst>
-                            <p:childTnLst>
-                              <p:par>
-                                <p:cTn id="5" presetID="42" presetClass="entr" presetSubtype="0" fill="hold" nodeType="clickEffect">
-                                  <p:stCondLst>
-                                    <p:cond delay="0"/>
-                                  </p:stCondLst>
-                                  <p:childTnLst>
-                                    <p:set>
-                                      <p:cBhvr>
-                                        <p:cTn id="6" dur="1" fill="hold">
-                                          <p:stCondLst>
-                                            <p:cond delay="0"/>
-                                          </p:stCondLst>
-                                        </p:cTn>
-                                        <p:tgtEl>
-                                          <p:spTgt spid="6"/>
-                                        </p:tgtEl>
-                                        <p:attrNameLst>
-                                          <p:attrName>style.visibility</p:attrName>
-                                        </p:attrNameLst>
-                                      </p:cBhvr>
-                                      <p:to>
-                                        <p:strVal val="visible"/>
-                                      </p:to>
-                                    </p:set>
-                                    <p:animEffect transition="in" filter="fade">
-                                      <p:cBhvr>
-                                        <p:cTn id="7" dur="1000"/>
-                                        <p:tgtEl>
-                                          <p:spTgt spid="6"/>
-                                        </p:tgtEl>
-                                      </p:cBhvr>
-                                    </p:animEffect>
-                                    <p:anim calcmode="lin" valueType="num">
-                                      <p:cBhvr>
-                                        <p:cTn id="8" dur="1000" fill="hold"/>
-                                        <p:tgtEl>
-                                          <p:spTgt spid="6"/>
-                                        </p:tgtEl>
-                                        <p:attrNameLst>
-                                          <p:attrName>ppt_x</p:attrName>
-                                        </p:attrNameLst>
-                                      </p:cBhvr>
-                                      <p:tavLst>
-                                        <p:tav tm="0">
-                                          <p:val>
-                                            <p:strVal val="#ppt_x"/>
-                                          </p:val>
-                                        </p:tav>
-                                        <p:tav tm="100000">
-                                          <p:val>
-                                            <p:strVal val="#ppt_x"/>
-                                          </p:val>
-                                        </p:tav>
-                                      </p:tavLst>
-                                    </p:anim>
-                                    <p:anim calcmode="lin" valueType="num">
-                                      <p:cBhvr>
-                                        <p:cTn id="9" dur="1000" fill="hold"/>
-                                        <p:tgtEl>
-                                          <p:spTgt spid="6"/>
-                                        </p:tgtEl>
-                                        <p:attrNameLst>
-                                          <p:attrName>ppt_y</p:attrName>
-                                        </p:attrNameLst>
-                                      </p:cBhvr>
-                                      <p:tavLst>
-                                        <p:tav tm="0">
-                                          <p:val>
-                                            <p:strVal val="#ppt_y+.1"/>
-                                          </p:val>
-                                        </p:tav>
-                                        <p:tav tm="100000">
-                                          <p:val>
-                                            <p:strVal val="#ppt_y"/>
-                                          </p:val>
-                                        </p:tav>
-                                      </p:tavLst>
-                                    </p:anim>
-                                  </p:childTnLst>
-                                </p:cTn>
-                              </p:par>
-                            </p:childTnLst>
-                          </p:cTn>
-                        </p:par>
-                      </p:childTnLst>
-                    </p:cTn>
-                  </p:par>
-                  <p:par>
-                    <p:cTn id="10" fill="hold">
-                      <p:stCondLst>
-                        <p:cond delay="indefinite"/>
-                      </p:stCondLst>
-                      <p:childTnLst>
-                        <p:par>
-                          <p:cTn id="11" fill="hold">
-                            <p:stCondLst>
-                              <p:cond delay="0"/>
-                            </p:stCondLst>
-                            <p:childTnLst>
-                              <p:par>
-                                <p:cTn id="12" presetID="42" presetClass="entr" presetSubtype="0" fill="hold" nodeType="clickEffect">
-                                  <p:stCondLst>
-                                    <p:cond delay="0"/>
-                                  </p:stCondLst>
-                                  <p:childTnLst>
-                                    <p:set>
-                                      <p:cBhvr>
-                                        <p:cTn id="13" dur="1" fill="hold">
-                                          <p:stCondLst>
-                                            <p:cond delay="0"/>
-                                          </p:stCondLst>
-                                        </p:cTn>
-                                        <p:tgtEl>
-                                          <p:spTgt spid="7"/>
-                                        </p:tgtEl>
-                                        <p:attrNameLst>
-                                          <p:attrName>style.visibility</p:attrName>
-                                        </p:attrNameLst>
-                                      </p:cBhvr>
-                                      <p:to>
-                                        <p:strVal val="visible"/>
-                                      </p:to>
-                                    </p:set>
-                                    <p:animEffect transition="in" filter="fade">
-                                      <p:cBhvr>
-                                        <p:cTn id="14" dur="1000"/>
-                                        <p:tgtEl>
-                                          <p:spTgt spid="7"/>
-                                        </p:tgtEl>
-                                      </p:cBhvr>
-                                    </p:animEffect>
-                                    <p:anim calcmode="lin" valueType="num">
-                                      <p:cBhvr>
-                                        <p:cTn id="15" dur="1000" fill="hold"/>
-                                        <p:tgtEl>
-                                          <p:spTgt spid="7"/>
-                                        </p:tgtEl>
-                                        <p:attrNameLst>
-                                          <p:attrName>ppt_x</p:attrName>
-                                        </p:attrNameLst>
-                                      </p:cBhvr>
-                                      <p:tavLst>
-                                        <p:tav tm="0">
-                                          <p:val>
-                                            <p:strVal val="#ppt_x"/>
-                                          </p:val>
-                                        </p:tav>
-                                        <p:tav tm="100000">
-                                          <p:val>
-                                            <p:strVal val="#ppt_x"/>
-                                          </p:val>
-                                        </p:tav>
-                                      </p:tavLst>
-                                    </p:anim>
-                                    <p:anim calcmode="lin" valueType="num">
-                                      <p:cBhvr>
-                                        <p:cTn id="16" dur="1000" fill="hold"/>
-                                        <p:tgtEl>
-                                          <p:spTgt spid="7"/>
-                                        </p:tgtEl>
-                                        <p:attrNameLst>
-                                          <p:attrName>ppt_y</p:attrName>
-                                        </p:attrNameLst>
-                                      </p:cBhvr>
-                                      <p:tavLst>
-                                        <p:tav tm="0">
-                                          <p:val>
-                                            <p:strVal val="#ppt_y+.1"/>
-                                          </p:val>
-                                        </p:tav>
-                                        <p:tav tm="100000">
-                                          <p:val>
-                                            <p:strVal val="#ppt_y"/>
-                                          </p:val>
-                                        </p:tav>
-                                      </p:tavLst>
-                                    </p:anim>
-                                  </p:childTnLst>
-                                </p:cTn>
-                              </p:par>
-                            </p:childTnLst>
-                          </p:cTn>
-                        </p:par>
-                      </p:childTnLst>
-                    </p:cTn>
-                  </p:par>
-                  <p:par>
-                    <p:cTn id="17" fill="hold">
-                      <p:stCondLst>
-                        <p:cond delay="indefinite"/>
-                      </p:stCondLst>
-                      <p:childTnLst>
-                        <p:par>
-                          <p:cTn id="18" fill="hold">
-                            <p:stCondLst>
-                              <p:cond delay="0"/>
-                            </p:stCondLst>
-                            <p:childTnLst>
-                              <p:par>
-                                <p:cTn id="19" presetID="42" presetClass="entr" presetSubtype="0" fill="hold" nodeType="clickEffect">
-                                  <p:stCondLst>
-                                    <p:cond delay="0"/>
-                                  </p:stCondLst>
-                                  <p:childTnLst>
-                                    <p:set>
-                                      <p:cBhvr>
-                                        <p:cTn id="20" dur="1" fill="hold">
-                                          <p:stCondLst>
-                                            <p:cond delay="0"/>
-                                          </p:stCondLst>
-                                        </p:cTn>
-                                        <p:tgtEl>
-                                          <p:spTgt spid="9"/>
-                                        </p:tgtEl>
-                                        <p:attrNameLst>
-                                          <p:attrName>style.visibility</p:attrName>
-                                        </p:attrNameLst>
-                                      </p:cBhvr>
-                                      <p:to>
-                                        <p:strVal val="visible"/>
-                                      </p:to>
-                                    </p:set>
-                                    <p:animEffect transition="in" filter="fade">
-                                      <p:cBhvr>
-                                        <p:cTn id="21" dur="1000"/>
-                                        <p:tgtEl>
-                                          <p:spTgt spid="9"/>
-                                        </p:tgtEl>
-                                      </p:cBhvr>
-                                    </p:animEffect>
-                                    <p:anim calcmode="lin" valueType="num">
-                                      <p:cBhvr>
-                                        <p:cTn id="22" dur="1000" fill="hold"/>
-                                        <p:tgtEl>
-                                          <p:spTgt spid="9"/>
-                                        </p:tgtEl>
-                                        <p:attrNameLst>
-                                          <p:attrName>ppt_x</p:attrName>
-                                        </p:attrNameLst>
-                                      </p:cBhvr>
-                                      <p:tavLst>
-                                        <p:tav tm="0">
-                                          <p:val>
-                                            <p:strVal val="#ppt_x"/>
-                                          </p:val>
-                                        </p:tav>
-                                        <p:tav tm="100000">
-                                          <p:val>
-                                            <p:strVal val="#ppt_x"/>
-                                          </p:val>
-                                        </p:tav>
-                                      </p:tavLst>
-                                    </p:anim>
-                                    <p:anim calcmode="lin" valueType="num">
-                                      <p:cBhvr>
-                                        <p:cTn id="23" dur="1000" fill="hold"/>
-                                        <p:tgtEl>
-                                          <p:spTgt spid="9"/>
-                                        </p:tgtEl>
-                                        <p:attrNameLst>
-                                          <p:attrName>ppt_y</p:attrName>
-                                        </p:attrNameLst>
-                                      </p:cBhvr>
-                                      <p:tavLst>
-                                        <p:tav tm="0">
-                                          <p:val>
-                                            <p:strVal val="#ppt_y+.1"/>
-                                          </p:val>
-                                        </p:tav>
-                                        <p:tav tm="100000">
-                                          <p:val>
-                                            <p:strVal val="#ppt_y"/>
-                                          </p:val>
-                                        </p:tav>
-                                      </p:tavLst>
-                                    </p:anim>
-                                  </p:childTnLst>
-                                </p:cTn>
-                              </p:par>
-                            </p:childTnLst>
-                          </p:cTn>
-                        </p:par>
-                      </p:childTnLst>
-                    </p:cTn>
-                  </p:par>
-                </p:childTnLst>
-              </p:cTn>
-              <p:prevCondLst>
-                <p:cond evt="onPrev" delay="0">
-                  <p:tgtEl>
-                    <p:sldTgt/>
-                  </p:tgtEl>
-                </p:cond>
-              </p:prevCondLst>
-              <p:nextCondLst>
-                <p:cond evt="onNext" delay="0">
-                  <p:tgtEl>
-                    <p:sldTgt/>
-                  </p:tgtEl>
-                </p:cond>
-              </p:nextCondLst>
-            </p:seq>
-          </p:childTnLst>
-        </p:cTn>
-      </p:par>
-    </p:tnLst>
-  </p:timing>
-</p:sld>
-</file>
-
-<file path=ppt/slides/slide11.xml><?xml version="1.0" encoding="utf-8"?>
-<p:sld xmlns:a="http://schemas.openxmlformats.org/drawingml/2006/main" xmlns:r="http://schemas.openxmlformats.org/officeDocument/2006/relationships" xmlns:p="http://schemas.openxmlformats.org/presentationml/2006/main">
-  <p:cSld>
-    <p:spTree>
-      <p:nvGrpSpPr>
-        <p:cNvPr id="1" name=""/>
-        <p:cNvGrpSpPr/>
-        <p:nvPr/>
-      </p:nvGrpSpPr>
-      <p:grpSpPr>
-        <a:xfrm>
-          <a:off x="0" y="0"/>
-          <a:ext cx="0" cy="0"/>
-          <a:chOff x="0" y="0"/>
-          <a:chExt cx="0" cy="0"/>
-        </a:xfrm>
-      </p:grpSpPr>
-      <p:sp>
-        <p:nvSpPr>
-          <p:cNvPr id="2" name="文本占位符 1"/>
-          <p:cNvSpPr>
-            <a:spLocks noGrp="1"/>
-          </p:cNvSpPr>
-          <p:nvPr>
-            <p:ph type="body" sz="quarter" idx="10"/>
-          </p:nvPr>
-        </p:nvSpPr>
-        <p:spPr/>
-        <p:txBody>
-          <a:bodyPr/>
-          <a:lstStyle/>
-          <a:p>
-            <a:r>
-              <a:rPr lang="en-US" altLang="zh-CN" b="1" dirty="0">
-                <a:cs typeface="+mn-ea"/>
-                <a:sym typeface="+mn-lt"/>
-              </a:rPr>
-              <a:t>Part Two </a:t>
-            </a:r>
-            <a:r>
-              <a:rPr lang="zh-CN" altLang="en-US" b="1" dirty="0">
-                <a:cs typeface="+mn-ea"/>
-                <a:sym typeface="+mn-lt"/>
-              </a:rPr>
-              <a:t>工具链</a:t>
-            </a:r>
-          </a:p>
-        </p:txBody>
-      </p:sp>
-      <p:pic>
-        <p:nvPicPr>
-          <p:cNvPr id="6" name="图片 5">
-            <a:extLst>
-              <a:ext uri="{FF2B5EF4-FFF2-40B4-BE49-F238E27FC236}">
-                <a16:creationId xmlns:a16="http://schemas.microsoft.com/office/drawing/2014/main" id="{F9C0964E-6FCE-41C7-A06B-B2AC495A3FB1}"/>
-              </a:ext>
-            </a:extLst>
-          </p:cNvPr>
-          <p:cNvPicPr>
-            <a:picLocks noChangeAspect="1"/>
-          </p:cNvPicPr>
-          <p:nvPr/>
-        </p:nvPicPr>
-        <p:blipFill>
-          <a:blip r:embed="rId2"/>
-          <a:stretch>
-            <a:fillRect/>
-          </a:stretch>
-        </p:blipFill>
-        <p:spPr>
-          <a:xfrm>
-            <a:off x="1803624" y="975258"/>
-            <a:ext cx="6319726" cy="3139542"/>
-          </a:xfrm>
-          <a:prstGeom prst="rect">
-            <a:avLst/>
-          </a:prstGeom>
-        </p:spPr>
-      </p:pic>
-      <p:pic>
-        <p:nvPicPr>
-          <p:cNvPr id="7" name="图片 6">
-            <a:extLst>
-              <a:ext uri="{FF2B5EF4-FFF2-40B4-BE49-F238E27FC236}">
-                <a16:creationId xmlns:a16="http://schemas.microsoft.com/office/drawing/2014/main" id="{F88673E6-130D-4681-98BD-FA1C6E0F8B06}"/>
-              </a:ext>
-            </a:extLst>
-          </p:cNvPr>
-          <p:cNvPicPr>
-            <a:picLocks noChangeAspect="1"/>
-          </p:cNvPicPr>
-          <p:nvPr/>
-        </p:nvPicPr>
-        <p:blipFill>
-          <a:blip r:embed="rId3"/>
-          <a:stretch>
-            <a:fillRect/>
-          </a:stretch>
-        </p:blipFill>
-        <p:spPr>
-          <a:xfrm>
-            <a:off x="3255016" y="2054492"/>
-            <a:ext cx="6319726" cy="3139542"/>
-          </a:xfrm>
-          <a:prstGeom prst="rect">
-            <a:avLst/>
-          </a:prstGeom>
-        </p:spPr>
-      </p:pic>
-      <p:pic>
-        <p:nvPicPr>
-          <p:cNvPr id="9" name="图片 8">
-            <a:extLst>
-              <a:ext uri="{FF2B5EF4-FFF2-40B4-BE49-F238E27FC236}">
-                <a16:creationId xmlns:a16="http://schemas.microsoft.com/office/drawing/2014/main" id="{4FE176C0-8535-43D2-9445-56356E14F2DD}"/>
-              </a:ext>
-            </a:extLst>
-          </p:cNvPr>
-          <p:cNvPicPr>
-            <a:picLocks noChangeAspect="1"/>
-          </p:cNvPicPr>
-          <p:nvPr/>
-        </p:nvPicPr>
-        <p:blipFill>
-          <a:blip r:embed="rId4"/>
-          <a:stretch>
-            <a:fillRect/>
-          </a:stretch>
-        </p:blipFill>
-        <p:spPr>
-          <a:xfrm>
-            <a:off x="4706408" y="3133726"/>
-            <a:ext cx="6319726" cy="3139542"/>
+            <a:off x="8555182" y="513152"/>
+            <a:ext cx="2455717" cy="6134590"/>
           </a:xfrm>
           <a:prstGeom prst="rect">
             <a:avLst/>
@@ -49122,337 +48609,10 @@
   <p:transition spd="slow">
     <p:push/>
   </p:transition>
-  <p:timing>
-    <p:tnLst>
-      <p:par>
-        <p:cTn id="1" dur="indefinite" restart="never" nodeType="tmRoot">
-          <p:childTnLst>
-            <p:seq concurrent="1" nextAc="seek">
-              <p:cTn id="2" dur="indefinite" nodeType="mainSeq">
-                <p:childTnLst>
-                  <p:par>
-                    <p:cTn id="3" fill="hold">
-                      <p:stCondLst>
-                        <p:cond delay="indefinite"/>
-                      </p:stCondLst>
-                      <p:childTnLst>
-                        <p:par>
-                          <p:cTn id="4" fill="hold">
-                            <p:stCondLst>
-                              <p:cond delay="0"/>
-                            </p:stCondLst>
-                            <p:childTnLst>
-                              <p:par>
-                                <p:cTn id="5" presetID="42" presetClass="entr" presetSubtype="0" fill="hold" nodeType="clickEffect">
-                                  <p:stCondLst>
-                                    <p:cond delay="0"/>
-                                  </p:stCondLst>
-                                  <p:childTnLst>
-                                    <p:set>
-                                      <p:cBhvr>
-                                        <p:cTn id="6" dur="1" fill="hold">
-                                          <p:stCondLst>
-                                            <p:cond delay="0"/>
-                                          </p:stCondLst>
-                                        </p:cTn>
-                                        <p:tgtEl>
-                                          <p:spTgt spid="6"/>
-                                        </p:tgtEl>
-                                        <p:attrNameLst>
-                                          <p:attrName>style.visibility</p:attrName>
-                                        </p:attrNameLst>
-                                      </p:cBhvr>
-                                      <p:to>
-                                        <p:strVal val="visible"/>
-                                      </p:to>
-                                    </p:set>
-                                    <p:animEffect transition="in" filter="fade">
-                                      <p:cBhvr>
-                                        <p:cTn id="7" dur="1000"/>
-                                        <p:tgtEl>
-                                          <p:spTgt spid="6"/>
-                                        </p:tgtEl>
-                                      </p:cBhvr>
-                                    </p:animEffect>
-                                    <p:anim calcmode="lin" valueType="num">
-                                      <p:cBhvr>
-                                        <p:cTn id="8" dur="1000" fill="hold"/>
-                                        <p:tgtEl>
-                                          <p:spTgt spid="6"/>
-                                        </p:tgtEl>
-                                        <p:attrNameLst>
-                                          <p:attrName>ppt_x</p:attrName>
-                                        </p:attrNameLst>
-                                      </p:cBhvr>
-                                      <p:tavLst>
-                                        <p:tav tm="0">
-                                          <p:val>
-                                            <p:strVal val="#ppt_x"/>
-                                          </p:val>
-                                        </p:tav>
-                                        <p:tav tm="100000">
-                                          <p:val>
-                                            <p:strVal val="#ppt_x"/>
-                                          </p:val>
-                                        </p:tav>
-                                      </p:tavLst>
-                                    </p:anim>
-                                    <p:anim calcmode="lin" valueType="num">
-                                      <p:cBhvr>
-                                        <p:cTn id="9" dur="1000" fill="hold"/>
-                                        <p:tgtEl>
-                                          <p:spTgt spid="6"/>
-                                        </p:tgtEl>
-                                        <p:attrNameLst>
-                                          <p:attrName>ppt_y</p:attrName>
-                                        </p:attrNameLst>
-                                      </p:cBhvr>
-                                      <p:tavLst>
-                                        <p:tav tm="0">
-                                          <p:val>
-                                            <p:strVal val="#ppt_y+.1"/>
-                                          </p:val>
-                                        </p:tav>
-                                        <p:tav tm="100000">
-                                          <p:val>
-                                            <p:strVal val="#ppt_y"/>
-                                          </p:val>
-                                        </p:tav>
-                                      </p:tavLst>
-                                    </p:anim>
-                                  </p:childTnLst>
-                                </p:cTn>
-                              </p:par>
-                            </p:childTnLst>
-                          </p:cTn>
-                        </p:par>
-                      </p:childTnLst>
-                    </p:cTn>
-                  </p:par>
-                  <p:par>
-                    <p:cTn id="10" fill="hold">
-                      <p:stCondLst>
-                        <p:cond delay="indefinite"/>
-                      </p:stCondLst>
-                      <p:childTnLst>
-                        <p:par>
-                          <p:cTn id="11" fill="hold">
-                            <p:stCondLst>
-                              <p:cond delay="0"/>
-                            </p:stCondLst>
-                            <p:childTnLst>
-                              <p:par>
-                                <p:cTn id="12" presetID="42" presetClass="entr" presetSubtype="0" fill="hold" nodeType="clickEffect">
-                                  <p:stCondLst>
-                                    <p:cond delay="0"/>
-                                  </p:stCondLst>
-                                  <p:childTnLst>
-                                    <p:set>
-                                      <p:cBhvr>
-                                        <p:cTn id="13" dur="1" fill="hold">
-                                          <p:stCondLst>
-                                            <p:cond delay="0"/>
-                                          </p:stCondLst>
-                                        </p:cTn>
-                                        <p:tgtEl>
-                                          <p:spTgt spid="7"/>
-                                        </p:tgtEl>
-                                        <p:attrNameLst>
-                                          <p:attrName>style.visibility</p:attrName>
-                                        </p:attrNameLst>
-                                      </p:cBhvr>
-                                      <p:to>
-                                        <p:strVal val="visible"/>
-                                      </p:to>
-                                    </p:set>
-                                    <p:animEffect transition="in" filter="fade">
-                                      <p:cBhvr>
-                                        <p:cTn id="14" dur="1000"/>
-                                        <p:tgtEl>
-                                          <p:spTgt spid="7"/>
-                                        </p:tgtEl>
-                                      </p:cBhvr>
-                                    </p:animEffect>
-                                    <p:anim calcmode="lin" valueType="num">
-                                      <p:cBhvr>
-                                        <p:cTn id="15" dur="1000" fill="hold"/>
-                                        <p:tgtEl>
-                                          <p:spTgt spid="7"/>
-                                        </p:tgtEl>
-                                        <p:attrNameLst>
-                                          <p:attrName>ppt_x</p:attrName>
-                                        </p:attrNameLst>
-                                      </p:cBhvr>
-                                      <p:tavLst>
-                                        <p:tav tm="0">
-                                          <p:val>
-                                            <p:strVal val="#ppt_x"/>
-                                          </p:val>
-                                        </p:tav>
-                                        <p:tav tm="100000">
-                                          <p:val>
-                                            <p:strVal val="#ppt_x"/>
-                                          </p:val>
-                                        </p:tav>
-                                      </p:tavLst>
-                                    </p:anim>
-                                    <p:anim calcmode="lin" valueType="num">
-                                      <p:cBhvr>
-                                        <p:cTn id="16" dur="1000" fill="hold"/>
-                                        <p:tgtEl>
-                                          <p:spTgt spid="7"/>
-                                        </p:tgtEl>
-                                        <p:attrNameLst>
-                                          <p:attrName>ppt_y</p:attrName>
-                                        </p:attrNameLst>
-                                      </p:cBhvr>
-                                      <p:tavLst>
-                                        <p:tav tm="0">
-                                          <p:val>
-                                            <p:strVal val="#ppt_y+.1"/>
-                                          </p:val>
-                                        </p:tav>
-                                        <p:tav tm="100000">
-                                          <p:val>
-                                            <p:strVal val="#ppt_y"/>
-                                          </p:val>
-                                        </p:tav>
-                                      </p:tavLst>
-                                    </p:anim>
-                                  </p:childTnLst>
-                                </p:cTn>
-                              </p:par>
-                            </p:childTnLst>
-                          </p:cTn>
-                        </p:par>
-                      </p:childTnLst>
-                    </p:cTn>
-                  </p:par>
-                  <p:par>
-                    <p:cTn id="17" fill="hold">
-                      <p:stCondLst>
-                        <p:cond delay="indefinite"/>
-                      </p:stCondLst>
-                      <p:childTnLst>
-                        <p:par>
-                          <p:cTn id="18" fill="hold">
-                            <p:stCondLst>
-                              <p:cond delay="0"/>
-                            </p:stCondLst>
-                            <p:childTnLst>
-                              <p:par>
-                                <p:cTn id="19" presetID="42" presetClass="entr" presetSubtype="0" fill="hold" nodeType="clickEffect">
-                                  <p:stCondLst>
-                                    <p:cond delay="0"/>
-                                  </p:stCondLst>
-                                  <p:childTnLst>
-                                    <p:set>
-                                      <p:cBhvr>
-                                        <p:cTn id="20" dur="1" fill="hold">
-                                          <p:stCondLst>
-                                            <p:cond delay="0"/>
-                                          </p:stCondLst>
-                                        </p:cTn>
-                                        <p:tgtEl>
-                                          <p:spTgt spid="9"/>
-                                        </p:tgtEl>
-                                        <p:attrNameLst>
-                                          <p:attrName>style.visibility</p:attrName>
-                                        </p:attrNameLst>
-                                      </p:cBhvr>
-                                      <p:to>
-                                        <p:strVal val="visible"/>
-                                      </p:to>
-                                    </p:set>
-                                    <p:animEffect transition="in" filter="fade">
-                                      <p:cBhvr>
-                                        <p:cTn id="21" dur="1000"/>
-                                        <p:tgtEl>
-                                          <p:spTgt spid="9"/>
-                                        </p:tgtEl>
-                                      </p:cBhvr>
-                                    </p:animEffect>
-                                    <p:anim calcmode="lin" valueType="num">
-                                      <p:cBhvr>
-                                        <p:cTn id="22" dur="1000" fill="hold"/>
-                                        <p:tgtEl>
-                                          <p:spTgt spid="9"/>
-                                        </p:tgtEl>
-                                        <p:attrNameLst>
-                                          <p:attrName>ppt_x</p:attrName>
-                                        </p:attrNameLst>
-                                      </p:cBhvr>
-                                      <p:tavLst>
-                                        <p:tav tm="0">
-                                          <p:val>
-                                            <p:strVal val="#ppt_x"/>
-                                          </p:val>
-                                        </p:tav>
-                                        <p:tav tm="100000">
-                                          <p:val>
-                                            <p:strVal val="#ppt_x"/>
-                                          </p:val>
-                                        </p:tav>
-                                      </p:tavLst>
-                                    </p:anim>
-                                    <p:anim calcmode="lin" valueType="num">
-                                      <p:cBhvr>
-                                        <p:cTn id="23" dur="1000" fill="hold"/>
-                                        <p:tgtEl>
-                                          <p:spTgt spid="9"/>
-                                        </p:tgtEl>
-                                        <p:attrNameLst>
-                                          <p:attrName>ppt_y</p:attrName>
-                                        </p:attrNameLst>
-                                      </p:cBhvr>
-                                      <p:tavLst>
-                                        <p:tav tm="0">
-                                          <p:val>
-                                            <p:strVal val="#ppt_y+.1"/>
-                                          </p:val>
-                                        </p:tav>
-                                        <p:tav tm="100000">
-                                          <p:val>
-                                            <p:strVal val="#ppt_y"/>
-                                          </p:val>
-                                        </p:tav>
-                                      </p:tavLst>
-                                    </p:anim>
-                                  </p:childTnLst>
-                                </p:cTn>
-                              </p:par>
-                            </p:childTnLst>
-                          </p:cTn>
-                        </p:par>
-                      </p:childTnLst>
-                    </p:cTn>
-                  </p:par>
-                </p:childTnLst>
-              </p:cTn>
-              <p:prevCondLst>
-                <p:cond evt="onPrev" delay="0">
-                  <p:tgtEl>
-                    <p:sldTgt/>
-                  </p:tgtEl>
-                </p:cond>
-              </p:prevCondLst>
-              <p:nextCondLst>
-                <p:cond evt="onNext" delay="0">
-                  <p:tgtEl>
-                    <p:sldTgt/>
-                  </p:tgtEl>
-                </p:cond>
-              </p:nextCondLst>
-            </p:seq>
-          </p:childTnLst>
-        </p:cTn>
-      </p:par>
-    </p:tnLst>
-  </p:timing>
 </p:sld>
 </file>
 
-<file path=ppt/slides/slide12.xml><?xml version="1.0" encoding="utf-8"?>
+<file path=ppt/slides/slide11.xml><?xml version="1.0" encoding="utf-8"?>
 <p:sld xmlns:a="http://schemas.openxmlformats.org/drawingml/2006/main" xmlns:r="http://schemas.openxmlformats.org/officeDocument/2006/relationships" xmlns:p="http://schemas.openxmlformats.org/presentationml/2006/main">
   <p:cSld>
     <p:spTree>
@@ -49561,7 +48721,7 @@
 </p:sld>
 </file>
 
-<file path=ppt/slides/slide13.xml><?xml version="1.0" encoding="utf-8"?>
+<file path=ppt/slides/slide12.xml><?xml version="1.0" encoding="utf-8"?>
 <p:sld xmlns:a="http://schemas.openxmlformats.org/drawingml/2006/main" xmlns:r="http://schemas.openxmlformats.org/officeDocument/2006/relationships" xmlns:p="http://schemas.openxmlformats.org/presentationml/2006/main">
   <p:cSld>
     <p:spTree>
@@ -49981,7 +49141,7 @@
 </p:sld>
 </file>
 
-<file path=ppt/slides/slide14.xml><?xml version="1.0" encoding="utf-8"?>
+<file path=ppt/slides/slide13.xml><?xml version="1.0" encoding="utf-8"?>
 <p:sld xmlns:a="http://schemas.openxmlformats.org/drawingml/2006/main" xmlns:r="http://schemas.openxmlformats.org/officeDocument/2006/relationships" xmlns:p="http://schemas.openxmlformats.org/presentationml/2006/main">
   <p:cSld>
     <p:spTree>
@@ -50094,7 +49254,7 @@
 </p:sld>
 </file>
 
-<file path=ppt/slides/slide15.xml><?xml version="1.0" encoding="utf-8"?>
+<file path=ppt/slides/slide14.xml><?xml version="1.0" encoding="utf-8"?>
 <p:sld xmlns:a="http://schemas.openxmlformats.org/drawingml/2006/main" xmlns:r="http://schemas.openxmlformats.org/officeDocument/2006/relationships" xmlns:p="http://schemas.openxmlformats.org/presentationml/2006/main">
   <p:cSld>
     <p:spTree>
@@ -50260,7 +49420,7 @@
 </p:sld>
 </file>
 
-<file path=ppt/slides/slide16.xml><?xml version="1.0" encoding="utf-8"?>
+<file path=ppt/slides/slide15.xml><?xml version="1.0" encoding="utf-8"?>
 <p:sld xmlns:a="http://schemas.openxmlformats.org/drawingml/2006/main" xmlns:r="http://schemas.openxmlformats.org/officeDocument/2006/relationships" xmlns:p="http://schemas.openxmlformats.org/presentationml/2006/main">
   <p:cSld>
     <p:spTree>
@@ -51762,7 +50922,7 @@
     </p:spTree>
     <p:extLst>
       <p:ext uri="{BB962C8B-B14F-4D97-AF65-F5344CB8AC3E}">
-        <p14:creationId xmlns:p14="http://schemas.microsoft.com/office/powerpoint/2010/main" val="1195267567"/>
+        <p14:creationId xmlns:p14="http://schemas.microsoft.com/office/powerpoint/2010/main" val="1031058823"/>
       </p:ext>
     </p:extLst>
   </p:cSld>
@@ -52153,10 +51313,10 @@
       </p:sp>
       <p:pic>
         <p:nvPicPr>
-          <p:cNvPr id="6" name="图片 5">
+          <p:cNvPr id="8" name="图片 7">
             <a:extLst>
               <a:ext uri="{FF2B5EF4-FFF2-40B4-BE49-F238E27FC236}">
-                <a16:creationId xmlns:a16="http://schemas.microsoft.com/office/drawing/2014/main" id="{F9C0964E-6FCE-41C7-A06B-B2AC495A3FB1}"/>
+                <a16:creationId xmlns:a16="http://schemas.microsoft.com/office/drawing/2014/main" id="{D6DACA69-9BBC-41EE-8FE6-103496B682FF}"/>
               </a:ext>
             </a:extLst>
           </p:cNvPr>
@@ -52173,8 +51333,8 @@
         </p:blipFill>
         <p:spPr>
           <a:xfrm>
-            <a:off x="1803624" y="975258"/>
-            <a:ext cx="6319726" cy="3139542"/>
+            <a:off x="1695449" y="1482840"/>
+            <a:ext cx="4352255" cy="3670186"/>
           </a:xfrm>
           <a:prstGeom prst="rect">
             <a:avLst/>
@@ -52183,10 +51343,10 @@
       </p:pic>
       <p:pic>
         <p:nvPicPr>
-          <p:cNvPr id="7" name="图片 6">
+          <p:cNvPr id="4" name="图片 3">
             <a:extLst>
               <a:ext uri="{FF2B5EF4-FFF2-40B4-BE49-F238E27FC236}">
-                <a16:creationId xmlns:a16="http://schemas.microsoft.com/office/drawing/2014/main" id="{F88673E6-130D-4681-98BD-FA1C6E0F8B06}"/>
+                <a16:creationId xmlns:a16="http://schemas.microsoft.com/office/drawing/2014/main" id="{27C4A210-F70E-452A-89F2-697FDC878BE0}"/>
               </a:ext>
             </a:extLst>
           </p:cNvPr>
@@ -52203,38 +51363,8 @@
         </p:blipFill>
         <p:spPr>
           <a:xfrm>
-            <a:off x="3255016" y="2054492"/>
-            <a:ext cx="6319726" cy="3139542"/>
-          </a:xfrm>
-          <a:prstGeom prst="rect">
-            <a:avLst/>
-          </a:prstGeom>
-        </p:spPr>
-      </p:pic>
-      <p:pic>
-        <p:nvPicPr>
-          <p:cNvPr id="9" name="图片 8">
-            <a:extLst>
-              <a:ext uri="{FF2B5EF4-FFF2-40B4-BE49-F238E27FC236}">
-                <a16:creationId xmlns:a16="http://schemas.microsoft.com/office/drawing/2014/main" id="{4FE176C0-8535-43D2-9445-56356E14F2DD}"/>
-              </a:ext>
-            </a:extLst>
-          </p:cNvPr>
-          <p:cNvPicPr>
-            <a:picLocks noChangeAspect="1"/>
-          </p:cNvPicPr>
-          <p:nvPr/>
-        </p:nvPicPr>
-        <p:blipFill>
-          <a:blip r:embed="rId4"/>
-          <a:stretch>
-            <a:fillRect/>
-          </a:stretch>
-        </p:blipFill>
-        <p:spPr>
-          <a:xfrm>
-            <a:off x="4706408" y="3133726"/>
-            <a:ext cx="6319726" cy="3139542"/>
+            <a:off x="7241673" y="1215923"/>
+            <a:ext cx="3063505" cy="4690993"/>
           </a:xfrm>
           <a:prstGeom prst="rect">
             <a:avLst/>
@@ -52244,7 +51374,7 @@
     </p:spTree>
     <p:extLst>
       <p:ext uri="{BB962C8B-B14F-4D97-AF65-F5344CB8AC3E}">
-        <p14:creationId xmlns:p14="http://schemas.microsoft.com/office/powerpoint/2010/main" val="1946747790"/>
+        <p14:creationId xmlns:p14="http://schemas.microsoft.com/office/powerpoint/2010/main" val="1105271588"/>
       </p:ext>
     </p:extLst>
   </p:cSld>
@@ -52254,333 +51384,6 @@
   <p:transition spd="slow">
     <p:push/>
   </p:transition>
-  <p:timing>
-    <p:tnLst>
-      <p:par>
-        <p:cTn id="1" dur="indefinite" restart="never" nodeType="tmRoot">
-          <p:childTnLst>
-            <p:seq concurrent="1" nextAc="seek">
-              <p:cTn id="2" dur="indefinite" nodeType="mainSeq">
-                <p:childTnLst>
-                  <p:par>
-                    <p:cTn id="3" fill="hold">
-                      <p:stCondLst>
-                        <p:cond delay="indefinite"/>
-                      </p:stCondLst>
-                      <p:childTnLst>
-                        <p:par>
-                          <p:cTn id="4" fill="hold">
-                            <p:stCondLst>
-                              <p:cond delay="0"/>
-                            </p:stCondLst>
-                            <p:childTnLst>
-                              <p:par>
-                                <p:cTn id="5" presetID="42" presetClass="entr" presetSubtype="0" fill="hold" nodeType="clickEffect">
-                                  <p:stCondLst>
-                                    <p:cond delay="0"/>
-                                  </p:stCondLst>
-                                  <p:childTnLst>
-                                    <p:set>
-                                      <p:cBhvr>
-                                        <p:cTn id="6" dur="1" fill="hold">
-                                          <p:stCondLst>
-                                            <p:cond delay="0"/>
-                                          </p:stCondLst>
-                                        </p:cTn>
-                                        <p:tgtEl>
-                                          <p:spTgt spid="6"/>
-                                        </p:tgtEl>
-                                        <p:attrNameLst>
-                                          <p:attrName>style.visibility</p:attrName>
-                                        </p:attrNameLst>
-                                      </p:cBhvr>
-                                      <p:to>
-                                        <p:strVal val="visible"/>
-                                      </p:to>
-                                    </p:set>
-                                    <p:animEffect transition="in" filter="fade">
-                                      <p:cBhvr>
-                                        <p:cTn id="7" dur="1000"/>
-                                        <p:tgtEl>
-                                          <p:spTgt spid="6"/>
-                                        </p:tgtEl>
-                                      </p:cBhvr>
-                                    </p:animEffect>
-                                    <p:anim calcmode="lin" valueType="num">
-                                      <p:cBhvr>
-                                        <p:cTn id="8" dur="1000" fill="hold"/>
-                                        <p:tgtEl>
-                                          <p:spTgt spid="6"/>
-                                        </p:tgtEl>
-                                        <p:attrNameLst>
-                                          <p:attrName>ppt_x</p:attrName>
-                                        </p:attrNameLst>
-                                      </p:cBhvr>
-                                      <p:tavLst>
-                                        <p:tav tm="0">
-                                          <p:val>
-                                            <p:strVal val="#ppt_x"/>
-                                          </p:val>
-                                        </p:tav>
-                                        <p:tav tm="100000">
-                                          <p:val>
-                                            <p:strVal val="#ppt_x"/>
-                                          </p:val>
-                                        </p:tav>
-                                      </p:tavLst>
-                                    </p:anim>
-                                    <p:anim calcmode="lin" valueType="num">
-                                      <p:cBhvr>
-                                        <p:cTn id="9" dur="1000" fill="hold"/>
-                                        <p:tgtEl>
-                                          <p:spTgt spid="6"/>
-                                        </p:tgtEl>
-                                        <p:attrNameLst>
-                                          <p:attrName>ppt_y</p:attrName>
-                                        </p:attrNameLst>
-                                      </p:cBhvr>
-                                      <p:tavLst>
-                                        <p:tav tm="0">
-                                          <p:val>
-                                            <p:strVal val="#ppt_y+.1"/>
-                                          </p:val>
-                                        </p:tav>
-                                        <p:tav tm="100000">
-                                          <p:val>
-                                            <p:strVal val="#ppt_y"/>
-                                          </p:val>
-                                        </p:tav>
-                                      </p:tavLst>
-                                    </p:anim>
-                                  </p:childTnLst>
-                                </p:cTn>
-                              </p:par>
-                            </p:childTnLst>
-                          </p:cTn>
-                        </p:par>
-                      </p:childTnLst>
-                    </p:cTn>
-                  </p:par>
-                  <p:par>
-                    <p:cTn id="10" fill="hold">
-                      <p:stCondLst>
-                        <p:cond delay="indefinite"/>
-                      </p:stCondLst>
-                      <p:childTnLst>
-                        <p:par>
-                          <p:cTn id="11" fill="hold">
-                            <p:stCondLst>
-                              <p:cond delay="0"/>
-                            </p:stCondLst>
-                            <p:childTnLst>
-                              <p:par>
-                                <p:cTn id="12" presetID="42" presetClass="entr" presetSubtype="0" fill="hold" nodeType="clickEffect">
-                                  <p:stCondLst>
-                                    <p:cond delay="0"/>
-                                  </p:stCondLst>
-                                  <p:childTnLst>
-                                    <p:set>
-                                      <p:cBhvr>
-                                        <p:cTn id="13" dur="1" fill="hold">
-                                          <p:stCondLst>
-                                            <p:cond delay="0"/>
-                                          </p:stCondLst>
-                                        </p:cTn>
-                                        <p:tgtEl>
-                                          <p:spTgt spid="7"/>
-                                        </p:tgtEl>
-                                        <p:attrNameLst>
-                                          <p:attrName>style.visibility</p:attrName>
-                                        </p:attrNameLst>
-                                      </p:cBhvr>
-                                      <p:to>
-                                        <p:strVal val="visible"/>
-                                      </p:to>
-                                    </p:set>
-                                    <p:animEffect transition="in" filter="fade">
-                                      <p:cBhvr>
-                                        <p:cTn id="14" dur="1000"/>
-                                        <p:tgtEl>
-                                          <p:spTgt spid="7"/>
-                                        </p:tgtEl>
-                                      </p:cBhvr>
-                                    </p:animEffect>
-                                    <p:anim calcmode="lin" valueType="num">
-                                      <p:cBhvr>
-                                        <p:cTn id="15" dur="1000" fill="hold"/>
-                                        <p:tgtEl>
-                                          <p:spTgt spid="7"/>
-                                        </p:tgtEl>
-                                        <p:attrNameLst>
-                                          <p:attrName>ppt_x</p:attrName>
-                                        </p:attrNameLst>
-                                      </p:cBhvr>
-                                      <p:tavLst>
-                                        <p:tav tm="0">
-                                          <p:val>
-                                            <p:strVal val="#ppt_x"/>
-                                          </p:val>
-                                        </p:tav>
-                                        <p:tav tm="100000">
-                                          <p:val>
-                                            <p:strVal val="#ppt_x"/>
-                                          </p:val>
-                                        </p:tav>
-                                      </p:tavLst>
-                                    </p:anim>
-                                    <p:anim calcmode="lin" valueType="num">
-                                      <p:cBhvr>
-                                        <p:cTn id="16" dur="1000" fill="hold"/>
-                                        <p:tgtEl>
-                                          <p:spTgt spid="7"/>
-                                        </p:tgtEl>
-                                        <p:attrNameLst>
-                                          <p:attrName>ppt_y</p:attrName>
-                                        </p:attrNameLst>
-                                      </p:cBhvr>
-                                      <p:tavLst>
-                                        <p:tav tm="0">
-                                          <p:val>
-                                            <p:strVal val="#ppt_y+.1"/>
-                                          </p:val>
-                                        </p:tav>
-                                        <p:tav tm="100000">
-                                          <p:val>
-                                            <p:strVal val="#ppt_y"/>
-                                          </p:val>
-                                        </p:tav>
-                                      </p:tavLst>
-                                    </p:anim>
-                                  </p:childTnLst>
-                                </p:cTn>
-                              </p:par>
-                            </p:childTnLst>
-                          </p:cTn>
-                        </p:par>
-                      </p:childTnLst>
-                    </p:cTn>
-                  </p:par>
-                  <p:par>
-                    <p:cTn id="17" fill="hold">
-                      <p:stCondLst>
-                        <p:cond delay="indefinite"/>
-                      </p:stCondLst>
-                      <p:childTnLst>
-                        <p:par>
-                          <p:cTn id="18" fill="hold">
-                            <p:stCondLst>
-                              <p:cond delay="0"/>
-                            </p:stCondLst>
-                            <p:childTnLst>
-                              <p:par>
-                                <p:cTn id="19" presetID="42" presetClass="entr" presetSubtype="0" fill="hold" nodeType="clickEffect">
-                                  <p:stCondLst>
-                                    <p:cond delay="0"/>
-                                  </p:stCondLst>
-                                  <p:childTnLst>
-                                    <p:set>
-                                      <p:cBhvr>
-                                        <p:cTn id="20" dur="1" fill="hold">
-                                          <p:stCondLst>
-                                            <p:cond delay="0"/>
-                                          </p:stCondLst>
-                                        </p:cTn>
-                                        <p:tgtEl>
-                                          <p:spTgt spid="9"/>
-                                        </p:tgtEl>
-                                        <p:attrNameLst>
-                                          <p:attrName>style.visibility</p:attrName>
-                                        </p:attrNameLst>
-                                      </p:cBhvr>
-                                      <p:to>
-                                        <p:strVal val="visible"/>
-                                      </p:to>
-                                    </p:set>
-                                    <p:animEffect transition="in" filter="fade">
-                                      <p:cBhvr>
-                                        <p:cTn id="21" dur="1000"/>
-                                        <p:tgtEl>
-                                          <p:spTgt spid="9"/>
-                                        </p:tgtEl>
-                                      </p:cBhvr>
-                                    </p:animEffect>
-                                    <p:anim calcmode="lin" valueType="num">
-                                      <p:cBhvr>
-                                        <p:cTn id="22" dur="1000" fill="hold"/>
-                                        <p:tgtEl>
-                                          <p:spTgt spid="9"/>
-                                        </p:tgtEl>
-                                        <p:attrNameLst>
-                                          <p:attrName>ppt_x</p:attrName>
-                                        </p:attrNameLst>
-                                      </p:cBhvr>
-                                      <p:tavLst>
-                                        <p:tav tm="0">
-                                          <p:val>
-                                            <p:strVal val="#ppt_x"/>
-                                          </p:val>
-                                        </p:tav>
-                                        <p:tav tm="100000">
-                                          <p:val>
-                                            <p:strVal val="#ppt_x"/>
-                                          </p:val>
-                                        </p:tav>
-                                      </p:tavLst>
-                                    </p:anim>
-                                    <p:anim calcmode="lin" valueType="num">
-                                      <p:cBhvr>
-                                        <p:cTn id="23" dur="1000" fill="hold"/>
-                                        <p:tgtEl>
-                                          <p:spTgt spid="9"/>
-                                        </p:tgtEl>
-                                        <p:attrNameLst>
-                                          <p:attrName>ppt_y</p:attrName>
-                                        </p:attrNameLst>
-                                      </p:cBhvr>
-                                      <p:tavLst>
-                                        <p:tav tm="0">
-                                          <p:val>
-                                            <p:strVal val="#ppt_y+.1"/>
-                                          </p:val>
-                                        </p:tav>
-                                        <p:tav tm="100000">
-                                          <p:val>
-                                            <p:strVal val="#ppt_y"/>
-                                          </p:val>
-                                        </p:tav>
-                                      </p:tavLst>
-                                    </p:anim>
-                                  </p:childTnLst>
-                                </p:cTn>
-                              </p:par>
-                            </p:childTnLst>
-                          </p:cTn>
-                        </p:par>
-                      </p:childTnLst>
-                    </p:cTn>
-                  </p:par>
-                </p:childTnLst>
-              </p:cTn>
-              <p:prevCondLst>
-                <p:cond evt="onPrev" delay="0">
-                  <p:tgtEl>
-                    <p:sldTgt/>
-                  </p:tgtEl>
-                </p:cond>
-              </p:prevCondLst>
-              <p:nextCondLst>
-                <p:cond evt="onNext" delay="0">
-                  <p:tgtEl>
-                    <p:sldTgt/>
-                  </p:tgtEl>
-                </p:cond>
-              </p:nextCondLst>
-            </p:seq>
-          </p:childTnLst>
-        </p:cTn>
-      </p:par>
-    </p:tnLst>
-  </p:timing>
 </p:sld>
 </file>
 
